--- a/Specification/Spanish/Editable source images/Imágenes Spec Parte 4 - GPU.pptx
+++ b/Specification/Spanish/Editable source images/Imágenes Spec Parte 4 - GPU.pptx
@@ -298,7 +298,7 @@
             <a:fld id="{58855999-87E7-4646-BE91-91594D40D108}" type="datetimeFigureOut">
               <a:rPr lang="es-ES" smtClean="0"/>
               <a:pPr/>
-              <a:t>10/12/2023</a:t>
+              <a:t>06/01/2024</a:t>
             </a:fld>
             <a:endParaRPr lang="es-ES"/>
           </a:p>
@@ -465,7 +465,7 @@
             <a:fld id="{58855999-87E7-4646-BE91-91594D40D108}" type="datetimeFigureOut">
               <a:rPr lang="es-ES" smtClean="0"/>
               <a:pPr/>
-              <a:t>10/12/2023</a:t>
+              <a:t>06/01/2024</a:t>
             </a:fld>
             <a:endParaRPr lang="es-ES"/>
           </a:p>
@@ -642,7 +642,7 @@
             <a:fld id="{58855999-87E7-4646-BE91-91594D40D108}" type="datetimeFigureOut">
               <a:rPr lang="es-ES" smtClean="0"/>
               <a:pPr/>
-              <a:t>10/12/2023</a:t>
+              <a:t>06/01/2024</a:t>
             </a:fld>
             <a:endParaRPr lang="es-ES"/>
           </a:p>
@@ -809,7 +809,7 @@
             <a:fld id="{58855999-87E7-4646-BE91-91594D40D108}" type="datetimeFigureOut">
               <a:rPr lang="es-ES" smtClean="0"/>
               <a:pPr/>
-              <a:t>10/12/2023</a:t>
+              <a:t>06/01/2024</a:t>
             </a:fld>
             <a:endParaRPr lang="es-ES"/>
           </a:p>
@@ -1052,7 +1052,7 @@
             <a:fld id="{58855999-87E7-4646-BE91-91594D40D108}" type="datetimeFigureOut">
               <a:rPr lang="es-ES" smtClean="0"/>
               <a:pPr/>
-              <a:t>10/12/2023</a:t>
+              <a:t>06/01/2024</a:t>
             </a:fld>
             <a:endParaRPr lang="es-ES"/>
           </a:p>
@@ -1337,7 +1337,7 @@
             <a:fld id="{58855999-87E7-4646-BE91-91594D40D108}" type="datetimeFigureOut">
               <a:rPr lang="es-ES" smtClean="0"/>
               <a:pPr/>
-              <a:t>10/12/2023</a:t>
+              <a:t>06/01/2024</a:t>
             </a:fld>
             <a:endParaRPr lang="es-ES"/>
           </a:p>
@@ -1756,7 +1756,7 @@
             <a:fld id="{58855999-87E7-4646-BE91-91594D40D108}" type="datetimeFigureOut">
               <a:rPr lang="es-ES" smtClean="0"/>
               <a:pPr/>
-              <a:t>10/12/2023</a:t>
+              <a:t>06/01/2024</a:t>
             </a:fld>
             <a:endParaRPr lang="es-ES"/>
           </a:p>
@@ -1871,7 +1871,7 @@
             <a:fld id="{58855999-87E7-4646-BE91-91594D40D108}" type="datetimeFigureOut">
               <a:rPr lang="es-ES" smtClean="0"/>
               <a:pPr/>
-              <a:t>10/12/2023</a:t>
+              <a:t>06/01/2024</a:t>
             </a:fld>
             <a:endParaRPr lang="es-ES"/>
           </a:p>
@@ -1963,7 +1963,7 @@
             <a:fld id="{58855999-87E7-4646-BE91-91594D40D108}" type="datetimeFigureOut">
               <a:rPr lang="es-ES" smtClean="0"/>
               <a:pPr/>
-              <a:t>10/12/2023</a:t>
+              <a:t>06/01/2024</a:t>
             </a:fld>
             <a:endParaRPr lang="es-ES"/>
           </a:p>
@@ -2237,7 +2237,7 @@
             <a:fld id="{58855999-87E7-4646-BE91-91594D40D108}" type="datetimeFigureOut">
               <a:rPr lang="es-ES" smtClean="0"/>
               <a:pPr/>
-              <a:t>10/12/2023</a:t>
+              <a:t>06/01/2024</a:t>
             </a:fld>
             <a:endParaRPr lang="es-ES"/>
           </a:p>
@@ -2487,7 +2487,7 @@
             <a:fld id="{58855999-87E7-4646-BE91-91594D40D108}" type="datetimeFigureOut">
               <a:rPr lang="es-ES" smtClean="0"/>
               <a:pPr/>
-              <a:t>10/12/2023</a:t>
+              <a:t>06/01/2024</a:t>
             </a:fld>
             <a:endParaRPr lang="es-ES"/>
           </a:p>
@@ -2697,7 +2697,7 @@
             <a:fld id="{58855999-87E7-4646-BE91-91594D40D108}" type="datetimeFigureOut">
               <a:rPr lang="es-ES" smtClean="0"/>
               <a:pPr/>
-              <a:t>10/12/2023</a:t>
+              <a:t>06/01/2024</a:t>
             </a:fld>
             <a:endParaRPr lang="es-ES"/>
           </a:p>
@@ -3614,7 +3614,7 @@
                   <a:schemeClr val="bg1"/>
                 </a:solidFill>
               </a:rPr>
-              <a:t>Controlador cartucho</a:t>
+              <a:t>Controlador de cartucho</a:t>
             </a:r>
             <a:endParaRPr lang="es-ES" sz="1400">
               <a:solidFill>
@@ -4435,7 +4435,7 @@
         </p:nvSpPr>
         <p:spPr>
           <a:xfrm>
-            <a:off x="3203849" y="1707654"/>
+            <a:off x="3131841" y="1707654"/>
             <a:ext cx="1008112" cy="432048"/>
           </a:xfrm>
           <a:prstGeom prst="roundRect">
@@ -4444,11 +4444,13 @@
             </a:avLst>
           </a:prstGeom>
           <a:solidFill>
-            <a:srgbClr val="FFC000"/>
+            <a:srgbClr val="FFFF99"/>
           </a:solidFill>
           <a:ln w="19050">
             <a:solidFill>
-              <a:srgbClr val="FF0000"/>
+              <a:schemeClr val="accent6">
+                <a:lumMod val="75000"/>
+              </a:schemeClr>
             </a:solidFill>
           </a:ln>
         </p:spPr>
@@ -4472,14 +4474,25 @@
           <a:p>
             <a:pPr algn="ctr"/>
             <a:r>
-              <a:rPr lang="es-ES" sz="1600" b="1" smtClean="0">
+              <a:rPr lang="es-ES" sz="1200" smtClean="0">
                 <a:solidFill>
                   <a:srgbClr val="C00000"/>
                 </a:solidFill>
               </a:rPr>
-              <a:t>GPU</a:t>
-            </a:r>
-            <a:endParaRPr lang="es-ES" sz="1600" b="1">
+              <a:t>Control</a:t>
+            </a:r>
+          </a:p>
+          <a:p>
+            <a:pPr algn="ctr"/>
+            <a:r>
+              <a:rPr lang="es-ES" sz="1200" smtClean="0">
+                <a:solidFill>
+                  <a:srgbClr val="C00000"/>
+                </a:solidFill>
+              </a:rPr>
+              <a:t>de la GPU</a:t>
+            </a:r>
+            <a:endParaRPr lang="es-ES" sz="1200">
               <a:solidFill>
                 <a:srgbClr val="C00000"/>
               </a:solidFill>
@@ -4495,7 +4508,7 @@
         </p:nvSpPr>
         <p:spPr>
           <a:xfrm>
-            <a:off x="1331640" y="1707654"/>
+            <a:off x="755576" y="1707654"/>
             <a:ext cx="1008113" cy="432048"/>
           </a:xfrm>
           <a:prstGeom prst="roundRect">
@@ -4550,7 +4563,7 @@
         </p:nvSpPr>
         <p:spPr>
           <a:xfrm>
-            <a:off x="5076056" y="1707654"/>
+            <a:off x="5004048" y="1707654"/>
             <a:ext cx="1008112" cy="432048"/>
           </a:xfrm>
           <a:prstGeom prst="roundRect">
@@ -4609,7 +4622,7 @@
         </p:nvSpPr>
         <p:spPr>
           <a:xfrm>
-            <a:off x="6948264" y="1707654"/>
+            <a:off x="7236296" y="1707654"/>
             <a:ext cx="1008112" cy="432048"/>
           </a:xfrm>
           <a:prstGeom prst="roundRect">
@@ -4664,8 +4677,8 @@
         </p:nvCxnSpPr>
         <p:spPr>
           <a:xfrm>
-            <a:off x="6084168" y="1923678"/>
-            <a:ext cx="864096" cy="0"/>
+            <a:off x="6012160" y="1923678"/>
+            <a:ext cx="1224136" cy="0"/>
           </a:xfrm>
           <a:prstGeom prst="straightConnector1">
             <a:avLst/>
@@ -4700,8 +4713,8 @@
         </p:nvCxnSpPr>
         <p:spPr>
           <a:xfrm>
-            <a:off x="2339753" y="1923678"/>
-            <a:ext cx="864096" cy="0"/>
+            <a:off x="1763689" y="1923678"/>
+            <a:ext cx="1368152" cy="0"/>
           </a:xfrm>
           <a:prstGeom prst="straightConnector1">
             <a:avLst/>
@@ -4733,7 +4746,7 @@
         </p:nvSpPr>
         <p:spPr>
           <a:xfrm>
-            <a:off x="2339752" y="1419623"/>
+            <a:off x="1619672" y="1419623"/>
             <a:ext cx="1008112" cy="461665"/>
           </a:xfrm>
           <a:prstGeom prst="rect">
@@ -4747,6 +4760,7 @@
           </a:bodyPr>
           <a:lstStyle/>
           <a:p>
+            <a:pPr algn="r"/>
             <a:r>
               <a:rPr lang="es-ES" sz="1200" smtClean="0"/>
               <a:t>Petición de comando</a:t>
@@ -4766,7 +4780,7 @@
         </p:nvCxnSpPr>
         <p:spPr>
           <a:xfrm>
-            <a:off x="4211963" y="1923678"/>
+            <a:off x="4139955" y="1923678"/>
             <a:ext cx="864095" cy="0"/>
           </a:xfrm>
           <a:prstGeom prst="straightConnector1">
@@ -4799,7 +4813,7 @@
         </p:nvSpPr>
         <p:spPr>
           <a:xfrm>
-            <a:off x="4211960" y="1419623"/>
+            <a:off x="4139952" y="1419623"/>
             <a:ext cx="1008112" cy="461665"/>
           </a:xfrm>
           <a:prstGeom prst="rect">
@@ -4835,7 +4849,7 @@
         </p:nvSpPr>
         <p:spPr>
           <a:xfrm>
-            <a:off x="3203848" y="2571750"/>
+            <a:off x="3131840" y="2571750"/>
             <a:ext cx="1008112" cy="432048"/>
           </a:xfrm>
           <a:prstGeom prst="roundRect">
@@ -4890,7 +4904,7 @@
         </p:nvCxnSpPr>
         <p:spPr>
           <a:xfrm flipV="1">
-            <a:off x="3707904" y="2139702"/>
+            <a:off x="3635896" y="2139702"/>
             <a:ext cx="1" cy="432048"/>
           </a:xfrm>
           <a:prstGeom prst="straightConnector1">
@@ -4924,7 +4938,7 @@
         </p:nvSpPr>
         <p:spPr>
           <a:xfrm>
-            <a:off x="3779912" y="2222744"/>
+            <a:off x="3707904" y="2222744"/>
             <a:ext cx="936104" cy="276999"/>
           </a:xfrm>
           <a:prstGeom prst="rect">
@@ -4954,7 +4968,7 @@
         </p:nvSpPr>
         <p:spPr>
           <a:xfrm>
-            <a:off x="6084168" y="1419623"/>
+            <a:off x="6372200" y="1419623"/>
             <a:ext cx="720080" cy="461665"/>
           </a:xfrm>
           <a:prstGeom prst="rect">
@@ -4973,6 +4987,64 @@
               <a:t>Salida de video</a:t>
             </a:r>
             <a:endParaRPr lang="es-ES" sz="1200"/>
+          </a:p>
+        </p:txBody>
+      </p:sp>
+      <p:sp>
+        <p:nvSpPr>
+          <p:cNvPr id="28" name="27 Rectángulo redondeado"/>
+          <p:cNvSpPr/>
+          <p:nvPr/>
+        </p:nvSpPr>
+        <p:spPr>
+          <a:xfrm>
+            <a:off x="2699792" y="1275606"/>
+            <a:ext cx="3600400" cy="1944216"/>
+          </a:xfrm>
+          <a:prstGeom prst="roundRect">
+            <a:avLst>
+              <a:gd name="adj" fmla="val 6424"/>
+            </a:avLst>
+          </a:prstGeom>
+          <a:noFill/>
+          <a:ln w="28575">
+            <a:solidFill>
+              <a:srgbClr val="FF0000"/>
+            </a:solidFill>
+            <a:prstDash val="sysDash"/>
+          </a:ln>
+        </p:spPr>
+        <p:style>
+          <a:lnRef idx="2">
+            <a:schemeClr val="dk1"/>
+          </a:lnRef>
+          <a:fillRef idx="1">
+            <a:schemeClr val="lt1"/>
+          </a:fillRef>
+          <a:effectRef idx="0">
+            <a:schemeClr val="dk1"/>
+          </a:effectRef>
+          <a:fontRef idx="minor">
+            <a:schemeClr val="dk1"/>
+          </a:fontRef>
+        </p:style>
+        <p:txBody>
+          <a:bodyPr rtlCol="0" anchor="t"/>
+          <a:lstStyle/>
+          <a:p>
+            <a:r>
+              <a:rPr lang="es-ES" b="1" smtClean="0">
+                <a:solidFill>
+                  <a:srgbClr val="FF0000"/>
+                </a:solidFill>
+              </a:rPr>
+              <a:t>GPU</a:t>
+            </a:r>
+            <a:endParaRPr lang="es-ES" b="1">
+              <a:solidFill>
+                <a:srgbClr val="FF0000"/>
+              </a:solidFill>
+            </a:endParaRPr>
           </a:p>
         </p:txBody>
       </p:sp>
@@ -5602,7 +5674,7 @@
             <p:cNvPr id="41" name="CuadroTexto 19">
               <a:extLst>
                 <a:ext uri="{FF2B5EF4-FFF2-40B4-BE49-F238E27FC236}">
-                  <a16:creationId xmlns="" xmlns:a16="http://schemas.microsoft.com/office/drawing/2014/main" id="{B81A97C9-B44A-4DCA-962F-3BB6FD3A6362}"/>
+                  <a16:creationId xmlns:a16="http://schemas.microsoft.com/office/drawing/2014/main" xmlns="" id="{B81A97C9-B44A-4DCA-962F-3BB6FD3A6362}"/>
                 </a:ext>
               </a:extLst>
             </p:cNvPr>
